--- a/Marketing.pptx
+++ b/Marketing.pptx
@@ -5,10 +5,9 @@
     <p:sldMasterId id="2147483648" r:id="rId1"/>
   </p:sldMasterIdLst>
   <p:sldIdLst>
-    <p:sldId id="257" r:id="rId2"/>
-    <p:sldId id="256" r:id="rId3"/>
-    <p:sldId id="258" r:id="rId4"/>
-    <p:sldId id="259" r:id="rId5"/>
+    <p:sldId id="256" r:id="rId2"/>
+    <p:sldId id="258" r:id="rId3"/>
+    <p:sldId id="259" r:id="rId4"/>
   </p:sldIdLst>
   <p:sldSz cx="12192000" cy="6858000"/>
   <p:notesSz cx="6858000" cy="9144000"/>
@@ -107,6 +106,11 @@
       </a:defRPr>
     </a:lvl9pPr>
   </p:defaultTextStyle>
+  <p:extLst>
+    <p:ext uri="{EFAFB233-063F-42B5-8137-9DF3F51BA10A}">
+      <p15:sldGuideLst xmlns:p15="http://schemas.microsoft.com/office/powerpoint/2012/main"/>
+    </p:ext>
+  </p:extLst>
 </p:presentation>
 </file>
 
@@ -257,7 +261,7 @@
           <a:p>
             <a:fld id="{DAB48B0F-E834-41F9-A227-E6BC3C84F86D}" type="datetimeFigureOut">
               <a:rPr lang="en-US" smtClean="0"/>
-              <a:t>9/23/2023</a:t>
+              <a:t>9/26/2023</a:t>
             </a:fld>
             <a:endParaRPr lang="en-US"/>
           </a:p>
@@ -455,7 +459,7 @@
           <a:p>
             <a:fld id="{DAB48B0F-E834-41F9-A227-E6BC3C84F86D}" type="datetimeFigureOut">
               <a:rPr lang="en-US" smtClean="0"/>
-              <a:t>9/23/2023</a:t>
+              <a:t>9/26/2023</a:t>
             </a:fld>
             <a:endParaRPr lang="en-US"/>
           </a:p>
@@ -663,7 +667,7 @@
           <a:p>
             <a:fld id="{DAB48B0F-E834-41F9-A227-E6BC3C84F86D}" type="datetimeFigureOut">
               <a:rPr lang="en-US" smtClean="0"/>
-              <a:t>9/23/2023</a:t>
+              <a:t>9/26/2023</a:t>
             </a:fld>
             <a:endParaRPr lang="en-US"/>
           </a:p>
@@ -861,7 +865,7 @@
           <a:p>
             <a:fld id="{DAB48B0F-E834-41F9-A227-E6BC3C84F86D}" type="datetimeFigureOut">
               <a:rPr lang="en-US" smtClean="0"/>
-              <a:t>9/23/2023</a:t>
+              <a:t>9/26/2023</a:t>
             </a:fld>
             <a:endParaRPr lang="en-US"/>
           </a:p>
@@ -1136,7 +1140,7 @@
           <a:p>
             <a:fld id="{DAB48B0F-E834-41F9-A227-E6BC3C84F86D}" type="datetimeFigureOut">
               <a:rPr lang="en-US" smtClean="0"/>
-              <a:t>9/23/2023</a:t>
+              <a:t>9/26/2023</a:t>
             </a:fld>
             <a:endParaRPr lang="en-US"/>
           </a:p>
@@ -1401,7 +1405,7 @@
           <a:p>
             <a:fld id="{DAB48B0F-E834-41F9-A227-E6BC3C84F86D}" type="datetimeFigureOut">
               <a:rPr lang="en-US" smtClean="0"/>
-              <a:t>9/23/2023</a:t>
+              <a:t>9/26/2023</a:t>
             </a:fld>
             <a:endParaRPr lang="en-US"/>
           </a:p>
@@ -1813,7 +1817,7 @@
           <a:p>
             <a:fld id="{DAB48B0F-E834-41F9-A227-E6BC3C84F86D}" type="datetimeFigureOut">
               <a:rPr lang="en-US" smtClean="0"/>
-              <a:t>9/23/2023</a:t>
+              <a:t>9/26/2023</a:t>
             </a:fld>
             <a:endParaRPr lang="en-US"/>
           </a:p>
@@ -1954,7 +1958,7 @@
           <a:p>
             <a:fld id="{DAB48B0F-E834-41F9-A227-E6BC3C84F86D}" type="datetimeFigureOut">
               <a:rPr lang="en-US" smtClean="0"/>
-              <a:t>9/23/2023</a:t>
+              <a:t>9/26/2023</a:t>
             </a:fld>
             <a:endParaRPr lang="en-US"/>
           </a:p>
@@ -2067,7 +2071,7 @@
           <a:p>
             <a:fld id="{DAB48B0F-E834-41F9-A227-E6BC3C84F86D}" type="datetimeFigureOut">
               <a:rPr lang="en-US" smtClean="0"/>
-              <a:t>9/23/2023</a:t>
+              <a:t>9/26/2023</a:t>
             </a:fld>
             <a:endParaRPr lang="en-US"/>
           </a:p>
@@ -2378,7 +2382,7 @@
           <a:p>
             <a:fld id="{DAB48B0F-E834-41F9-A227-E6BC3C84F86D}" type="datetimeFigureOut">
               <a:rPr lang="en-US" smtClean="0"/>
-              <a:t>9/23/2023</a:t>
+              <a:t>9/26/2023</a:t>
             </a:fld>
             <a:endParaRPr lang="en-US"/>
           </a:p>
@@ -2666,7 +2670,7 @@
           <a:p>
             <a:fld id="{DAB48B0F-E834-41F9-A227-E6BC3C84F86D}" type="datetimeFigureOut">
               <a:rPr lang="en-US" smtClean="0"/>
-              <a:t>9/23/2023</a:t>
+              <a:t>9/26/2023</a:t>
             </a:fld>
             <a:endParaRPr lang="en-US"/>
           </a:p>
@@ -2907,7 +2911,7 @@
           <a:p>
             <a:fld id="{DAB48B0F-E834-41F9-A227-E6BC3C84F86D}" type="datetimeFigureOut">
               <a:rPr lang="en-US" smtClean="0"/>
-              <a:t>9/23/2023</a:t>
+              <a:t>9/26/2023</a:t>
             </a:fld>
             <a:endParaRPr lang="en-US"/>
           </a:p>
@@ -3310,101 +3314,11 @@
 <file path=ppt/slides/slide1.xml><?xml version="1.0" encoding="utf-8"?>
 <p:sld xmlns:a="http://schemas.openxmlformats.org/drawingml/2006/main" xmlns:r="http://schemas.openxmlformats.org/officeDocument/2006/relationships" xmlns:p="http://schemas.openxmlformats.org/presentationml/2006/main">
   <p:cSld>
-    <p:spTree>
-      <p:nvGrpSpPr>
-        <p:cNvPr id="1" name=""/>
-        <p:cNvGrpSpPr/>
-        <p:nvPr/>
-      </p:nvGrpSpPr>
-      <p:grpSpPr>
-        <a:xfrm>
-          <a:off x="0" y="0"/>
-          <a:ext cx="0" cy="0"/>
-          <a:chOff x="0" y="0"/>
-          <a:chExt cx="0" cy="0"/>
-        </a:xfrm>
-      </p:grpSpPr>
-      <p:sp>
-        <p:nvSpPr>
-          <p:cNvPr id="2" name="Title 1">
-            <a:extLst>
-              <a:ext uri="{FF2B5EF4-FFF2-40B4-BE49-F238E27FC236}">
-                <a16:creationId xmlns:a16="http://schemas.microsoft.com/office/drawing/2014/main" id="{C56AD1C0-773A-B898-DFA0-30B512669EF9}"/>
-              </a:ext>
-            </a:extLst>
-          </p:cNvPr>
-          <p:cNvSpPr>
-            <a:spLocks noGrp="1"/>
-          </p:cNvSpPr>
-          <p:nvPr>
-            <p:ph type="title"/>
-          </p:nvPr>
-        </p:nvSpPr>
-        <p:spPr/>
-        <p:txBody>
-          <a:bodyPr/>
-          <a:lstStyle/>
-          <a:p>
-            <a:endParaRPr lang="en-US"/>
-          </a:p>
-        </p:txBody>
-      </p:sp>
-      <p:sp>
-        <p:nvSpPr>
-          <p:cNvPr id="3" name="Content Placeholder 2">
-            <a:extLst>
-              <a:ext uri="{FF2B5EF4-FFF2-40B4-BE49-F238E27FC236}">
-                <a16:creationId xmlns:a16="http://schemas.microsoft.com/office/drawing/2014/main" id="{8F45F868-D054-002D-19D8-43AB9434ABAD}"/>
-              </a:ext>
-            </a:extLst>
-          </p:cNvPr>
-          <p:cNvSpPr>
-            <a:spLocks noGrp="1"/>
-          </p:cNvSpPr>
-          <p:nvPr>
-            <p:ph idx="1"/>
-          </p:nvPr>
-        </p:nvSpPr>
-        <p:spPr/>
-        <p:txBody>
-          <a:bodyPr/>
-          <a:lstStyle/>
-          <a:p>
-            <a:endParaRPr lang="en-US"/>
-          </a:p>
-        </p:txBody>
-      </p:sp>
-    </p:spTree>
-    <p:extLst>
-      <p:ext uri="{BB962C8B-B14F-4D97-AF65-F5344CB8AC3E}">
-        <p14:creationId xmlns:p14="http://schemas.microsoft.com/office/powerpoint/2010/main" val="990445663"/>
-      </p:ext>
-    </p:extLst>
-  </p:cSld>
-  <p:clrMapOvr>
-    <a:masterClrMapping/>
-  </p:clrMapOvr>
-</p:sld>
-</file>
-
-<file path=ppt/slides/slide2.xml><?xml version="1.0" encoding="utf-8"?>
-<p:sld xmlns:a="http://schemas.openxmlformats.org/drawingml/2006/main" xmlns:r="http://schemas.openxmlformats.org/officeDocument/2006/relationships" xmlns:p="http://schemas.openxmlformats.org/presentationml/2006/main">
-  <p:cSld>
     <p:bg>
       <p:bgPr>
         <a:blipFill dpi="0" rotWithShape="1">
           <a:blip r:embed="rId2">
-            <a:extLst>
-              <a:ext uri="{BEBA8EAE-BF5A-486C-A8C5-ECC9F3942E4B}">
-                <a14:imgProps xmlns:a14="http://schemas.microsoft.com/office/drawing/2010/main">
-                  <a14:imgLayer r:embed="rId3">
-                    <a14:imgEffect>
-                      <a14:colorTemperature colorTemp="7200"/>
-                    </a14:imgEffect>
-                  </a14:imgLayer>
-                </a14:imgProps>
-              </a:ext>
-            </a:extLst>
+            <a:lum/>
           </a:blip>
           <a:srcRect/>
           <a:stretch>
@@ -3801,17 +3715,9 @@
 </p:sld>
 </file>
 
-<file path=ppt/slides/slide3.xml><?xml version="1.0" encoding="utf-8"?>
+<file path=ppt/slides/slide2.xml><?xml version="1.0" encoding="utf-8"?>
 <p:sld xmlns:a="http://schemas.openxmlformats.org/drawingml/2006/main" xmlns:r="http://schemas.openxmlformats.org/officeDocument/2006/relationships" xmlns:p="http://schemas.openxmlformats.org/presentationml/2006/main">
   <p:cSld>
-    <p:bg>
-      <p:bgPr>
-        <a:solidFill>
-          <a:schemeClr val="bg1"/>
-        </a:solidFill>
-        <a:effectLst/>
-      </p:bgPr>
-    </p:bg>
     <p:spTree>
       <p:nvGrpSpPr>
         <p:cNvPr id="1" name=""/>
@@ -4241,7 +4147,7 @@
 </p:sld>
 </file>
 
-<file path=ppt/slides/slide4.xml><?xml version="1.0" encoding="utf-8"?>
+<file path=ppt/slides/slide3.xml><?xml version="1.0" encoding="utf-8"?>
 <p:sld xmlns:a="http://schemas.openxmlformats.org/drawingml/2006/main" xmlns:r="http://schemas.openxmlformats.org/officeDocument/2006/relationships" xmlns:p="http://schemas.openxmlformats.org/presentationml/2006/main">
   <p:cSld>
     <p:spTree>
@@ -4260,10 +4166,104 @@
       </p:grpSpPr>
       <p:sp>
         <p:nvSpPr>
+          <p:cNvPr id="23" name="Rectangle 22">
+            <a:extLst>
+              <a:ext uri="{FF2B5EF4-FFF2-40B4-BE49-F238E27FC236}">
+                <a16:creationId xmlns:a16="http://schemas.microsoft.com/office/drawing/2014/main" id="{928F64C6-FE22-4FC1-A763-DFCC514811BD}"/>
+              </a:ext>
+              <a:ext uri="{C183D7F6-B498-43B3-948B-1728B52AA6E4}">
+                <adec:decorative xmlns:adec="http://schemas.microsoft.com/office/drawing/2017/decorative" val="1"/>
+              </a:ext>
+            </a:extLst>
+          </p:cNvPr>
+          <p:cNvSpPr>
+            <a:spLocks noGrp="1" noRot="1" noChangeAspect="1" noMove="1" noResize="1" noEditPoints="1" noAdjustHandles="1" noChangeArrowheads="1" noChangeShapeType="1" noTextEdit="1"/>
+          </p:cNvSpPr>
+          <p:nvPr>
+            <p:extLst>
+              <p:ext uri="{386F3935-93C4-4BCD-93E2-E3B085C9AB24}">
+                <p16:designElem xmlns:p16="http://schemas.microsoft.com/office/powerpoint/2015/main" val="1"/>
+              </p:ext>
+            </p:extLst>
+          </p:nvPr>
+        </p:nvSpPr>
+        <p:spPr bwMode="ltGray">
+          <a:xfrm>
+            <a:off x="4261224" y="4577975"/>
+            <a:ext cx="7539349" cy="1899827"/>
+          </a:xfrm>
+          <a:prstGeom prst="rect">
+            <a:avLst/>
+          </a:prstGeom>
+          <a:solidFill>
+            <a:srgbClr val="404040"/>
+          </a:solidFill>
+          <a:ln w="127000" cap="sq" cmpd="thinThick">
+            <a:solidFill>
+              <a:srgbClr val="404040"/>
+            </a:solidFill>
+          </a:ln>
+        </p:spPr>
+        <p:style>
+          <a:lnRef idx="2">
+            <a:schemeClr val="accent1">
+              <a:shade val="50000"/>
+            </a:schemeClr>
+          </a:lnRef>
+          <a:fillRef idx="1">
+            <a:schemeClr val="accent1"/>
+          </a:fillRef>
+          <a:effectRef idx="0">
+            <a:schemeClr val="accent1"/>
+          </a:effectRef>
+          <a:fontRef idx="minor">
+            <a:schemeClr val="lt1"/>
+          </a:fontRef>
+        </p:style>
+        <p:txBody>
+          <a:bodyPr rtlCol="0" anchor="ctr"/>
+          <a:lstStyle/>
+          <a:p>
+            <a:pPr marL="0" marR="0" lvl="0" indent="0" algn="ctr" defTabSz="914400" rtl="0" eaLnBrk="1" fontAlgn="auto" latinLnBrk="0" hangingPunct="1">
+              <a:lnSpc>
+                <a:spcPct val="100000"/>
+              </a:lnSpc>
+              <a:spcBef>
+                <a:spcPts val="0"/>
+              </a:spcBef>
+              <a:spcAft>
+                <a:spcPts val="0"/>
+              </a:spcAft>
+              <a:buClrTx/>
+              <a:buSzTx/>
+              <a:buFontTx/>
+              <a:buNone/>
+              <a:tabLst/>
+              <a:defRPr/>
+            </a:pPr>
+            <a:endParaRPr kumimoji="0" lang="en-US" sz="1800" b="0" i="0" u="none" strike="noStrike" kern="1200" cap="none" spc="0" normalizeH="0" baseline="0" noProof="0" dirty="0">
+              <a:ln>
+                <a:noFill/>
+              </a:ln>
+              <a:solidFill>
+                <a:prstClr val="white"/>
+              </a:solidFill>
+              <a:effectLst/>
+              <a:uLnTx/>
+              <a:uFillTx/>
+              <a:latin typeface="Calibri" panose="020F0502020204030204"/>
+              <a:ea typeface="+mn-ea"/>
+              <a:cs typeface="+mn-cs"/>
+            </a:endParaRPr>
+          </a:p>
+        </p:txBody>
+      </p:sp>
+      <p:sp>
+        <p:nvSpPr>
           <p:cNvPr id="2" name="Title 1">
             <a:extLst>
               <a:ext uri="{FF2B5EF4-FFF2-40B4-BE49-F238E27FC236}">
-                <a16:creationId xmlns:a16="http://schemas.microsoft.com/office/drawing/2014/main" id="{08CB357F-A083-BA31-EC99-B554E0C13332}"/>
+                <a16:creationId xmlns:a16="http://schemas.microsoft.com/office/drawing/2014/main" id="{C66468CB-FCF9-2A08-CAA2-E8C6F29279D7}"/>
               </a:ext>
             </a:extLst>
           </p:cNvPr>
@@ -4274,44 +4274,297 @@
             <p:ph type="title"/>
           </p:nvPr>
         </p:nvSpPr>
-        <p:spPr/>
-        <p:txBody>
-          <a:bodyPr/>
-          <a:lstStyle/>
-          <a:p>
-            <a:endParaRPr lang="en-US"/>
-          </a:p>
-        </p:txBody>
-      </p:sp>
-      <p:sp>
-        <p:nvSpPr>
-          <p:cNvPr id="3" name="Content Placeholder 2">
-            <a:extLst>
-              <a:ext uri="{FF2B5EF4-FFF2-40B4-BE49-F238E27FC236}">
-                <a16:creationId xmlns:a16="http://schemas.microsoft.com/office/drawing/2014/main" id="{FC30F144-7219-BF52-DD87-15317E908553}"/>
-              </a:ext>
-            </a:extLst>
-          </p:cNvPr>
-          <p:cNvSpPr>
-            <a:spLocks noGrp="1"/>
-          </p:cNvSpPr>
-          <p:nvPr>
-            <p:ph idx="1"/>
-          </p:nvPr>
-        </p:nvSpPr>
-        <p:spPr/>
-        <p:txBody>
-          <a:bodyPr/>
-          <a:lstStyle/>
-          <a:p>
-            <a:endParaRPr lang="en-US"/>
-          </a:p>
-        </p:txBody>
-      </p:sp>
+        <p:spPr>
+          <a:xfrm>
+            <a:off x="4603468" y="4741948"/>
+            <a:ext cx="6829520" cy="862031"/>
+          </a:xfrm>
+        </p:spPr>
+        <p:txBody>
+          <a:bodyPr vert="horz" lIns="91440" tIns="45720" rIns="91440" bIns="45720" rtlCol="0" anchor="b">
+            <a:normAutofit/>
+          </a:bodyPr>
+          <a:lstStyle/>
+          <a:p>
+            <a:r>
+              <a:rPr lang="en-US" sz="4000" kern="1200" dirty="0">
+                <a:solidFill>
+                  <a:srgbClr val="FFFFFF"/>
+                </a:solidFill>
+                <a:latin typeface="+mj-lt"/>
+                <a:ea typeface="+mj-ea"/>
+                <a:cs typeface="+mj-cs"/>
+              </a:rPr>
+              <a:t>March 11, 2024</a:t>
+            </a:r>
+          </a:p>
+        </p:txBody>
+      </p:sp>
+      <p:cxnSp>
+        <p:nvCxnSpPr>
+          <p:cNvPr id="25" name="Straight Connector 24">
+            <a:extLst>
+              <a:ext uri="{FF2B5EF4-FFF2-40B4-BE49-F238E27FC236}">
+                <a16:creationId xmlns:a16="http://schemas.microsoft.com/office/drawing/2014/main" id="{5C34627B-48E6-4F4D-B843-97717A86B490}"/>
+              </a:ext>
+              <a:ext uri="{C183D7F6-B498-43B3-948B-1728B52AA6E4}">
+                <adec:decorative xmlns:adec="http://schemas.microsoft.com/office/drawing/2017/decorative" val="1"/>
+              </a:ext>
+            </a:extLst>
+          </p:cNvPr>
+          <p:cNvCxnSpPr>
+            <a:cxnSpLocks noGrp="1" noRot="1" noChangeAspect="1" noMove="1" noResize="1" noEditPoints="1" noAdjustHandles="1" noChangeArrowheads="1" noChangeShapeType="1"/>
+          </p:cNvCxnSpPr>
+          <p:nvPr>
+            <p:extLst>
+              <p:ext uri="{386F3935-93C4-4BCD-93E2-E3B085C9AB24}">
+                <p16:designElem xmlns:p16="http://schemas.microsoft.com/office/powerpoint/2015/main" val="1"/>
+              </p:ext>
+            </p:extLst>
+          </p:nvPr>
+        </p:nvCxnSpPr>
+        <p:spPr>
+          <a:xfrm>
+            <a:off x="4719934" y="5694097"/>
+            <a:ext cx="5486400" cy="0"/>
+          </a:xfrm>
+          <a:prstGeom prst="line">
+            <a:avLst/>
+          </a:prstGeom>
+          <a:ln w="15875">
+            <a:solidFill>
+              <a:srgbClr val="D9D9D9"/>
+            </a:solidFill>
+          </a:ln>
+        </p:spPr>
+        <p:style>
+          <a:lnRef idx="1">
+            <a:schemeClr val="accent1"/>
+          </a:lnRef>
+          <a:fillRef idx="0">
+            <a:schemeClr val="accent1"/>
+          </a:fillRef>
+          <a:effectRef idx="0">
+            <a:schemeClr val="accent1"/>
+          </a:effectRef>
+          <a:fontRef idx="minor">
+            <a:schemeClr val="tx1"/>
+          </a:fontRef>
+        </p:style>
+      </p:cxnSp>
+      <p:sp>
+        <p:nvSpPr>
+          <p:cNvPr id="14" name="TextBox 13">
+            <a:extLst>
+              <a:ext uri="{FF2B5EF4-FFF2-40B4-BE49-F238E27FC236}">
+                <a16:creationId xmlns:a16="http://schemas.microsoft.com/office/drawing/2014/main" id="{0086F19A-C8A7-C6FF-7EB7-467E78B2C1EA}"/>
+              </a:ext>
+            </a:extLst>
+          </p:cNvPr>
+          <p:cNvSpPr txBox="1"/>
+          <p:nvPr/>
+        </p:nvSpPr>
+        <p:spPr>
+          <a:xfrm>
+            <a:off x="4719934" y="5901284"/>
+            <a:ext cx="5308184" cy="369332"/>
+          </a:xfrm>
+          <a:prstGeom prst="rect">
+            <a:avLst/>
+          </a:prstGeom>
+          <a:noFill/>
+        </p:spPr>
+        <p:txBody>
+          <a:bodyPr wrap="none" rtlCol="0">
+            <a:spAutoFit/>
+          </a:bodyPr>
+          <a:lstStyle/>
+          <a:p>
+            <a:r>
+              <a:rPr lang="en-US" dirty="0">
+                <a:solidFill>
+                  <a:schemeClr val="bg1"/>
+                </a:solidFill>
+              </a:rPr>
+              <a:t>Please join us as we honor and mourn our local heroes</a:t>
+            </a:r>
+          </a:p>
+        </p:txBody>
+      </p:sp>
+      <p:pic>
+        <p:nvPicPr>
+          <p:cNvPr id="3" name="Picture 2" descr="Franklin D. Roosevelt | Accomplishments, New Deal, Great Depression, World  War II, &amp; Death | Britannica">
+            <a:extLst>
+              <a:ext uri="{FF2B5EF4-FFF2-40B4-BE49-F238E27FC236}">
+                <a16:creationId xmlns:a16="http://schemas.microsoft.com/office/drawing/2014/main" id="{9A81D6CA-C942-41EE-BF2D-14D838B60DC5}"/>
+              </a:ext>
+            </a:extLst>
+          </p:cNvPr>
+          <p:cNvPicPr>
+            <a:picLocks noChangeAspect="1" noChangeArrowheads="1"/>
+          </p:cNvPicPr>
+          <p:nvPr/>
+        </p:nvPicPr>
+        <p:blipFill>
+          <a:blip r:embed="rId2">
+            <a:extLst>
+              <a:ext uri="{28A0092B-C50C-407E-A947-70E740481C1C}">
+                <a14:useLocalDpi xmlns:a14="http://schemas.microsoft.com/office/drawing/2010/main" val="0"/>
+              </a:ext>
+            </a:extLst>
+          </a:blip>
+          <a:stretch>
+            <a:fillRect/>
+          </a:stretch>
+        </p:blipFill>
+        <p:spPr bwMode="auto">
+          <a:xfrm>
+            <a:off x="222114" y="1218892"/>
+            <a:ext cx="3797985" cy="4420215"/>
+          </a:xfrm>
+          <a:prstGeom prst="rect">
+            <a:avLst/>
+          </a:prstGeom>
+          <a:noFill/>
+          <a:extLst>
+            <a:ext uri="{909E8E84-426E-40DD-AFC4-6F175D3DCCD1}">
+              <a14:hiddenFill xmlns:a14="http://schemas.microsoft.com/office/drawing/2010/main">
+                <a:solidFill>
+                  <a:srgbClr val="FFFFFF"/>
+                </a:solidFill>
+              </a14:hiddenFill>
+            </a:ext>
+          </a:extLst>
+        </p:spPr>
+      </p:pic>
+      <p:pic>
+        <p:nvPicPr>
+          <p:cNvPr id="4" name="Picture 4" descr="March of Dimes Announces 22nd Annual Heroines of Washington Awards Finalists">
+            <a:extLst>
+              <a:ext uri="{FF2B5EF4-FFF2-40B4-BE49-F238E27FC236}">
+                <a16:creationId xmlns:a16="http://schemas.microsoft.com/office/drawing/2014/main" id="{E52A64E8-F3F5-26D8-0C15-14830019512A}"/>
+              </a:ext>
+            </a:extLst>
+          </p:cNvPr>
+          <p:cNvPicPr>
+            <a:picLocks noChangeAspect="1" noChangeArrowheads="1"/>
+          </p:cNvPicPr>
+          <p:nvPr/>
+        </p:nvPicPr>
+        <p:blipFill>
+          <a:blip r:embed="rId3">
+            <a:extLst>
+              <a:ext uri="{28A0092B-C50C-407E-A947-70E740481C1C}">
+                <a14:useLocalDpi xmlns:a14="http://schemas.microsoft.com/office/drawing/2010/main" val="0"/>
+              </a:ext>
+            </a:extLst>
+          </a:blip>
+          <a:stretch>
+            <a:fillRect/>
+          </a:stretch>
+        </p:blipFill>
+        <p:spPr bwMode="auto">
+          <a:xfrm>
+            <a:off x="222113" y="4650274"/>
+            <a:ext cx="3797985" cy="1827528"/>
+          </a:xfrm>
+          <a:prstGeom prst="rect">
+            <a:avLst/>
+          </a:prstGeom>
+          <a:noFill/>
+          <a:extLst>
+            <a:ext uri="{909E8E84-426E-40DD-AFC4-6F175D3DCCD1}">
+              <a14:hiddenFill xmlns:a14="http://schemas.microsoft.com/office/drawing/2010/main">
+                <a:solidFill>
+                  <a:srgbClr val="FFFFFF"/>
+                </a:solidFill>
+              </a14:hiddenFill>
+            </a:ext>
+          </a:extLst>
+        </p:spPr>
+      </p:pic>
+      <p:pic>
+        <p:nvPicPr>
+          <p:cNvPr id="8" name="Graphic 7" descr="Baby crawling with solid fill">
+            <a:extLst>
+              <a:ext uri="{FF2B5EF4-FFF2-40B4-BE49-F238E27FC236}">
+                <a16:creationId xmlns:a16="http://schemas.microsoft.com/office/drawing/2014/main" id="{31A72D52-E524-2A88-C716-4C7988DC8642}"/>
+              </a:ext>
+            </a:extLst>
+          </p:cNvPr>
+          <p:cNvPicPr>
+            <a:picLocks noChangeAspect="1"/>
+          </p:cNvPicPr>
+          <p:nvPr/>
+        </p:nvPicPr>
+        <p:blipFill>
+          <a:blip r:embed="rId4">
+            <a:extLst>
+              <a:ext uri="{28A0092B-C50C-407E-A947-70E740481C1C}">
+                <a14:useLocalDpi xmlns:a14="http://schemas.microsoft.com/office/drawing/2010/main" val="0"/>
+              </a:ext>
+              <a:ext uri="{96DAC541-7B7A-43D3-8B79-37D633B846F1}">
+                <asvg:svgBlip xmlns:asvg="http://schemas.microsoft.com/office/drawing/2016/SVG/main" r:embed="rId5"/>
+              </a:ext>
+            </a:extLst>
+          </a:blip>
+          <a:stretch>
+            <a:fillRect/>
+          </a:stretch>
+        </p:blipFill>
+        <p:spPr>
+          <a:xfrm>
+            <a:off x="4466299" y="2453142"/>
+            <a:ext cx="1827528" cy="1827528"/>
+          </a:xfrm>
+          <a:prstGeom prst="rect">
+            <a:avLst/>
+          </a:prstGeom>
+        </p:spPr>
+      </p:pic>
+      <p:pic>
+        <p:nvPicPr>
+          <p:cNvPr id="12" name="Graphic 11" descr="Road with solid fill">
+            <a:extLst>
+              <a:ext uri="{FF2B5EF4-FFF2-40B4-BE49-F238E27FC236}">
+                <a16:creationId xmlns:a16="http://schemas.microsoft.com/office/drawing/2014/main" id="{E916004B-ED31-BEBF-FC3E-7347814CFF4C}"/>
+              </a:ext>
+            </a:extLst>
+          </p:cNvPr>
+          <p:cNvPicPr>
+            <a:picLocks noChangeAspect="1"/>
+          </p:cNvPicPr>
+          <p:nvPr/>
+        </p:nvPicPr>
+        <p:blipFill>
+          <a:blip r:embed="rId6">
+            <a:extLst>
+              <a:ext uri="{28A0092B-C50C-407E-A947-70E740481C1C}">
+                <a14:useLocalDpi xmlns:a14="http://schemas.microsoft.com/office/drawing/2010/main" val="0"/>
+              </a:ext>
+              <a:ext uri="{96DAC541-7B7A-43D3-8B79-37D633B846F1}">
+                <asvg:svgBlip xmlns:asvg="http://schemas.microsoft.com/office/drawing/2016/SVG/main" r:embed="rId7"/>
+              </a:ext>
+            </a:extLst>
+          </a:blip>
+          <a:stretch>
+            <a:fillRect/>
+          </a:stretch>
+        </p:blipFill>
+        <p:spPr>
+          <a:xfrm>
+            <a:off x="6026146" y="278698"/>
+            <a:ext cx="4001972" cy="4001972"/>
+          </a:xfrm>
+          <a:prstGeom prst="rect">
+            <a:avLst/>
+          </a:prstGeom>
+        </p:spPr>
+      </p:pic>
     </p:spTree>
     <p:extLst>
       <p:ext uri="{BB962C8B-B14F-4D97-AF65-F5344CB8AC3E}">
-        <p14:creationId xmlns:p14="http://schemas.microsoft.com/office/powerpoint/2010/main" val="305137320"/>
+        <p14:creationId xmlns:p14="http://schemas.microsoft.com/office/powerpoint/2010/main" val="126884807"/>
       </p:ext>
     </p:extLst>
   </p:cSld>
